--- a/Documents/GameDesignDocument.pptx
+++ b/Documents/GameDesignDocument.pptx
@@ -7043,6 +7043,13 @@
   <p:clrMapOvr>
     <a:masterClrMapping/>
   </p:clrMapOvr>
+  <p:timing>
+    <p:tnLst>
+      <p:par>
+        <p:cTn id="1" dur="indefinite" restart="never" nodeType="tmRoot"/>
+      </p:par>
+    </p:tnLst>
+  </p:timing>
 </p:sld>
 </file>
 
@@ -7440,7 +7447,7 @@
         </p:nvSpPr>
         <p:spPr>
           <a:xfrm>
-            <a:off x="2659533" y="1766639"/>
+            <a:off x="3699732" y="1610215"/>
             <a:ext cx="1089974" cy="479001"/>
           </a:xfrm>
           <a:prstGeom prst="roundRect">
@@ -7472,22 +7479,38 @@
           <a:lstStyle/>
           <a:p>
             <a:r>
-              <a:rPr lang="en-US" sz="1050" dirty="0">
+              <a:rPr lang="en-US" sz="1050" dirty="0" smtClean="0">
                 <a:solidFill>
                   <a:schemeClr val="tx1"/>
                 </a:solidFill>
               </a:rPr>
-              <a:t>Enemies:  2</a:t>
+              <a:t>Crystals:  </a:t>
             </a:r>
-          </a:p>
-          <a:p>
             <a:r>
               <a:rPr lang="en-US" sz="1050" dirty="0">
                 <a:solidFill>
                   <a:schemeClr val="tx1"/>
                 </a:solidFill>
               </a:rPr>
-              <a:t>Crystals:   5 </a:t>
+              <a:t>2</a:t>
+            </a:r>
+          </a:p>
+          <a:p>
+            <a:r>
+              <a:rPr lang="en-US" sz="1050" dirty="0" smtClean="0">
+                <a:solidFill>
+                  <a:schemeClr val="tx1"/>
+                </a:solidFill>
+              </a:rPr>
+              <a:t>Gems:   </a:t>
+            </a:r>
+            <a:r>
+              <a:rPr lang="en-US" sz="1050" dirty="0">
+                <a:solidFill>
+                  <a:schemeClr val="tx1"/>
+                </a:solidFill>
+              </a:rPr>
+              <a:t>5 </a:t>
             </a:r>
           </a:p>
         </p:txBody>
@@ -8195,6 +8218,281 @@
           </a:p>
         </p:txBody>
       </p:sp>
+      <p:cxnSp>
+        <p:nvCxnSpPr>
+          <p:cNvPr id="29" name="Straight Arrow Connector 16">
+            <a:extLst>
+              <a:ext uri="{FF2B5EF4-FFF2-40B4-BE49-F238E27FC236}">
+                <a16:creationId xmlns:a16="http://schemas.microsoft.com/office/drawing/2014/main" id="{3D3BCC29-D609-4FC5-B65B-250A2128AC67}"/>
+              </a:ext>
+            </a:extLst>
+          </p:cNvPr>
+          <p:cNvCxnSpPr>
+            <a:cxnSpLocks/>
+          </p:cNvCxnSpPr>
+          <p:nvPr/>
+        </p:nvCxnSpPr>
+        <p:spPr>
+          <a:xfrm flipH="1">
+            <a:off x="3507756" y="3301739"/>
+            <a:ext cx="331" cy="665754"/>
+          </a:xfrm>
+          <a:prstGeom prst="straightConnector1">
+            <a:avLst/>
+          </a:prstGeom>
+          <a:ln>
+            <a:tailEnd type="triangle"/>
+          </a:ln>
+        </p:spPr>
+        <p:style>
+          <a:lnRef idx="1">
+            <a:schemeClr val="accent1"/>
+          </a:lnRef>
+          <a:fillRef idx="0">
+            <a:schemeClr val="accent1"/>
+          </a:fillRef>
+          <a:effectRef idx="0">
+            <a:schemeClr val="accent1"/>
+          </a:effectRef>
+          <a:fontRef idx="minor">
+            <a:schemeClr val="tx1"/>
+          </a:fontRef>
+        </p:style>
+      </p:cxnSp>
+      <p:sp>
+        <p:nvSpPr>
+          <p:cNvPr id="30" name="Rectangle: Rounded Corners 3">
+            <a:extLst>
+              <a:ext uri="{FF2B5EF4-FFF2-40B4-BE49-F238E27FC236}">
+                <a16:creationId xmlns:a16="http://schemas.microsoft.com/office/drawing/2014/main" id="{B5F685C6-3620-482B-9017-F2B732189EF8}"/>
+              </a:ext>
+            </a:extLst>
+          </p:cNvPr>
+          <p:cNvSpPr/>
+          <p:nvPr/>
+        </p:nvSpPr>
+        <p:spPr>
+          <a:xfrm>
+            <a:off x="2846452" y="3966424"/>
+            <a:ext cx="1142514" cy="615468"/>
+          </a:xfrm>
+          <a:prstGeom prst="roundRect">
+            <a:avLst/>
+          </a:prstGeom>
+          <a:noFill/>
+        </p:spPr>
+        <p:style>
+          <a:lnRef idx="2">
+            <a:schemeClr val="accent1">
+              <a:shade val="50000"/>
+            </a:schemeClr>
+          </a:lnRef>
+          <a:fillRef idx="1">
+            <a:schemeClr val="accent1"/>
+          </a:fillRef>
+          <a:effectRef idx="0">
+            <a:schemeClr val="accent1"/>
+          </a:effectRef>
+          <a:fontRef idx="minor">
+            <a:schemeClr val="lt1"/>
+          </a:fontRef>
+        </p:style>
+        <p:txBody>
+          <a:bodyPr rtlCol="0" anchor="ctr"/>
+          <a:lstStyle/>
+          <a:p>
+            <a:pPr algn="ctr"/>
+            <a:endParaRPr lang="en-US" sz="1050"/>
+          </a:p>
+        </p:txBody>
+      </p:sp>
+      <p:sp>
+        <p:nvSpPr>
+          <p:cNvPr id="35" name="Rectangle: Rounded Corners 7">
+            <a:extLst>
+              <a:ext uri="{FF2B5EF4-FFF2-40B4-BE49-F238E27FC236}">
+                <a16:creationId xmlns:a16="http://schemas.microsoft.com/office/drawing/2014/main" id="{0F4927A0-EE33-4751-A69B-7158E1040ABA}"/>
+              </a:ext>
+            </a:extLst>
+          </p:cNvPr>
+          <p:cNvSpPr/>
+          <p:nvPr/>
+        </p:nvSpPr>
+        <p:spPr>
+          <a:xfrm>
+            <a:off x="2846452" y="1669023"/>
+            <a:ext cx="736914" cy="206160"/>
+          </a:xfrm>
+          <a:prstGeom prst="roundRect">
+            <a:avLst/>
+          </a:prstGeom>
+          <a:solidFill>
+            <a:schemeClr val="accent1">
+              <a:lumMod val="40000"/>
+              <a:lumOff val="60000"/>
+            </a:schemeClr>
+          </a:solidFill>
+        </p:spPr>
+        <p:style>
+          <a:lnRef idx="2">
+            <a:schemeClr val="accent1">
+              <a:shade val="50000"/>
+            </a:schemeClr>
+          </a:lnRef>
+          <a:fillRef idx="1">
+            <a:schemeClr val="accent1"/>
+          </a:fillRef>
+          <a:effectRef idx="0">
+            <a:schemeClr val="accent1"/>
+          </a:effectRef>
+          <a:fontRef idx="minor">
+            <a:schemeClr val="lt1"/>
+          </a:fontRef>
+        </p:style>
+        <p:txBody>
+          <a:bodyPr rtlCol="0" anchor="ctr"/>
+          <a:lstStyle/>
+          <a:p>
+            <a:pPr algn="ctr"/>
+            <a:r>
+              <a:rPr lang="en-US" sz="1050" dirty="0" smtClean="0">
+                <a:solidFill>
+                  <a:schemeClr val="tx1"/>
+                </a:solidFill>
+              </a:rPr>
+              <a:t>Pause</a:t>
+            </a:r>
+            <a:endParaRPr lang="en-US" sz="1050" dirty="0">
+              <a:solidFill>
+                <a:schemeClr val="tx1"/>
+              </a:solidFill>
+            </a:endParaRPr>
+          </a:p>
+        </p:txBody>
+      </p:sp>
+      <p:sp>
+        <p:nvSpPr>
+          <p:cNvPr id="36" name="Rectangle: Rounded Corners 6">
+            <a:extLst>
+              <a:ext uri="{FF2B5EF4-FFF2-40B4-BE49-F238E27FC236}">
+                <a16:creationId xmlns:a16="http://schemas.microsoft.com/office/drawing/2014/main" id="{1020732B-0BF4-4F6C-8334-D9DB9F313BA3}"/>
+              </a:ext>
+            </a:extLst>
+          </p:cNvPr>
+          <p:cNvSpPr/>
+          <p:nvPr/>
+        </p:nvSpPr>
+        <p:spPr>
+          <a:xfrm>
+            <a:off x="2882010" y="4163847"/>
+            <a:ext cx="535699" cy="208713"/>
+          </a:xfrm>
+          <a:prstGeom prst="roundRect">
+            <a:avLst/>
+          </a:prstGeom>
+          <a:solidFill>
+            <a:schemeClr val="accent1">
+              <a:lumMod val="40000"/>
+              <a:lumOff val="60000"/>
+            </a:schemeClr>
+          </a:solidFill>
+        </p:spPr>
+        <p:style>
+          <a:lnRef idx="2">
+            <a:schemeClr val="accent1">
+              <a:shade val="50000"/>
+            </a:schemeClr>
+          </a:lnRef>
+          <a:fillRef idx="1">
+            <a:schemeClr val="accent1"/>
+          </a:fillRef>
+          <a:effectRef idx="0">
+            <a:schemeClr val="accent1"/>
+          </a:effectRef>
+          <a:fontRef idx="minor">
+            <a:schemeClr val="lt1"/>
+          </a:fontRef>
+        </p:style>
+        <p:txBody>
+          <a:bodyPr rtlCol="0" anchor="ctr"/>
+          <a:lstStyle/>
+          <a:p>
+            <a:pPr algn="ctr"/>
+            <a:r>
+              <a:rPr lang="en-US" sz="1050" dirty="0">
+                <a:solidFill>
+                  <a:schemeClr val="tx1"/>
+                </a:solidFill>
+              </a:rPr>
+              <a:t>Quit</a:t>
+            </a:r>
+          </a:p>
+        </p:txBody>
+      </p:sp>
+      <p:sp>
+        <p:nvSpPr>
+          <p:cNvPr id="37" name="Rectangle: Rounded Corners 6">
+            <a:extLst>
+              <a:ext uri="{FF2B5EF4-FFF2-40B4-BE49-F238E27FC236}">
+                <a16:creationId xmlns:a16="http://schemas.microsoft.com/office/drawing/2014/main" id="{1020732B-0BF4-4F6C-8334-D9DB9F313BA3}"/>
+              </a:ext>
+            </a:extLst>
+          </p:cNvPr>
+          <p:cNvSpPr/>
+          <p:nvPr/>
+        </p:nvSpPr>
+        <p:spPr>
+          <a:xfrm>
+            <a:off x="3418934" y="4166352"/>
+            <a:ext cx="535699" cy="208713"/>
+          </a:xfrm>
+          <a:prstGeom prst="roundRect">
+            <a:avLst/>
+          </a:prstGeom>
+          <a:solidFill>
+            <a:schemeClr val="accent1">
+              <a:lumMod val="40000"/>
+              <a:lumOff val="60000"/>
+            </a:schemeClr>
+          </a:solidFill>
+        </p:spPr>
+        <p:style>
+          <a:lnRef idx="2">
+            <a:schemeClr val="accent1">
+              <a:shade val="50000"/>
+            </a:schemeClr>
+          </a:lnRef>
+          <a:fillRef idx="1">
+            <a:schemeClr val="accent1"/>
+          </a:fillRef>
+          <a:effectRef idx="0">
+            <a:schemeClr val="accent1"/>
+          </a:effectRef>
+          <a:fontRef idx="minor">
+            <a:schemeClr val="lt1"/>
+          </a:fontRef>
+        </p:style>
+        <p:txBody>
+          <a:bodyPr rtlCol="0" anchor="ctr"/>
+          <a:lstStyle/>
+          <a:p>
+            <a:pPr algn="ctr"/>
+            <a:r>
+              <a:rPr lang="en-US" sz="1050" dirty="0" smtClean="0">
+                <a:solidFill>
+                  <a:schemeClr val="tx1"/>
+                </a:solidFill>
+              </a:rPr>
+              <a:t>Con</a:t>
+            </a:r>
+            <a:endParaRPr lang="en-US" sz="1050" dirty="0">
+              <a:solidFill>
+                <a:schemeClr val="tx1"/>
+              </a:solidFill>
+            </a:endParaRPr>
+          </a:p>
+        </p:txBody>
+      </p:sp>
     </p:spTree>
     <p:extLst>
       <p:ext uri="{BB962C8B-B14F-4D97-AF65-F5344CB8AC3E}">
@@ -8309,10 +8607,10 @@
               <a:buChar char="-"/>
             </a:pPr>
             <a:r>
-              <a:rPr lang="fi"/>
+              <a:rPr lang="fi" dirty="0"/>
               <a:t>What character needs to do to complete the level</a:t>
             </a:r>
-            <a:endParaRPr/>
+            <a:endParaRPr dirty="0"/>
           </a:p>
           <a:p>
             <a:pPr marL="914400" lvl="1" indent="-304800" rtl="0">
@@ -8326,10 +8624,13 @@
               <a:buChar char="-"/>
             </a:pPr>
             <a:r>
-              <a:rPr lang="fi"/>
-              <a:t>Move &amp; jump</a:t>
+              <a:rPr lang="fi" dirty="0"/>
+              <a:t>Move &amp; </a:t>
             </a:r>
-            <a:endParaRPr/>
+            <a:r>
+              <a:rPr lang="fi" dirty="0" smtClean="0"/>
+              <a:t>jump</a:t>
+            </a:r>
           </a:p>
           <a:p>
             <a:pPr marL="914400" lvl="1" indent="-304800" rtl="0">
@@ -8342,7 +8643,70 @@
               <a:buSzPts val="1200"/>
               <a:buChar char="-"/>
             </a:pPr>
-            <a:endParaRPr/>
+            <a:r>
+              <a:rPr lang="fi" dirty="0" smtClean="0"/>
+              <a:t>Kill the Belloow </a:t>
+            </a:r>
+          </a:p>
+          <a:p>
+            <a:pPr lvl="1">
+              <a:spcBef>
+                <a:spcPts val="0"/>
+              </a:spcBef>
+              <a:buFont typeface="Arial"/>
+              <a:buChar char="-"/>
+            </a:pPr>
+            <a:r>
+              <a:rPr lang="fi" dirty="0"/>
+              <a:t>Collect the </a:t>
+            </a:r>
+            <a:r>
+              <a:rPr lang="fi" dirty="0" smtClean="0"/>
+              <a:t>crystal </a:t>
+            </a:r>
+            <a:r>
+              <a:rPr lang="fi" dirty="0"/>
+              <a:t>to clear the level</a:t>
+            </a:r>
+          </a:p>
+          <a:p>
+            <a:pPr marL="914400" lvl="1" indent="-304800" rtl="0">
+              <a:spcBef>
+                <a:spcPts val="0"/>
+              </a:spcBef>
+              <a:spcAft>
+                <a:spcPts val="0"/>
+              </a:spcAft>
+              <a:buSzPts val="1200"/>
+              <a:buChar char="-"/>
+            </a:pPr>
+            <a:endParaRPr lang="fi" dirty="0" smtClean="0"/>
+          </a:p>
+          <a:p>
+            <a:pPr marL="914400" lvl="1" indent="-304800" rtl="0">
+              <a:spcBef>
+                <a:spcPts val="0"/>
+              </a:spcBef>
+              <a:spcAft>
+                <a:spcPts val="0"/>
+              </a:spcAft>
+              <a:buSzPts val="1200"/>
+              <a:buChar char="-"/>
+            </a:pPr>
+            <a:endParaRPr dirty="0"/>
+          </a:p>
+          <a:p>
+            <a:pPr marL="914400" lvl="1" indent="-304800" rtl="0">
+              <a:spcBef>
+                <a:spcPts val="0"/>
+              </a:spcBef>
+              <a:spcAft>
+                <a:spcPts val="0"/>
+              </a:spcAft>
+              <a:buSzPts val="1200"/>
+              <a:buChar char="-"/>
+            </a:pPr>
+            <a:endParaRPr dirty="0"/>
           </a:p>
           <a:p>
             <a:pPr marL="457200" lvl="0" indent="0" rtl="0">
@@ -8354,7 +8718,7 @@
               </a:spcAft>
               <a:buNone/>
             </a:pPr>
-            <a:endParaRPr/>
+            <a:endParaRPr dirty="0"/>
           </a:p>
         </p:txBody>
       </p:sp>
@@ -8639,8 +9003,8 @@
           </p:nvSpPr>
           <p:spPr>
             <a:xfrm>
-              <a:off x="2011279" y="2439550"/>
-              <a:ext cx="3227255" cy="1022569"/>
+              <a:off x="6720422" y="2336622"/>
+              <a:ext cx="2717991" cy="1022569"/>
             </a:xfrm>
             <a:prstGeom prst="rect">
               <a:avLst/>
@@ -8671,27 +9035,61 @@
             <a:lstStyle/>
             <a:p>
               <a:r>
-                <a:rPr lang="en-US" sz="1600" dirty="0">
+                <a:rPr lang="en-US" sz="1200" dirty="0" smtClean="0">
                   <a:solidFill>
                     <a:schemeClr val="tx1"/>
                   </a:solidFill>
                   <a:latin typeface="Calibri" panose="020F0502020204030204" pitchFamily="34" charset="0"/>
                   <a:cs typeface="Calibri" panose="020F0502020204030204" pitchFamily="34" charset="0"/>
                 </a:rPr>
-                <a:t>Number Crystals collected:</a:t>
+                <a:t>Image Crystals: number of  collected</a:t>
               </a:r>
+              <a:endParaRPr lang="en-US" sz="1200" dirty="0">
+                <a:solidFill>
+                  <a:schemeClr val="tx1"/>
+                </a:solidFill>
+                <a:latin typeface="Calibri" panose="020F0502020204030204" pitchFamily="34" charset="0"/>
+                <a:cs typeface="Calibri" panose="020F0502020204030204" pitchFamily="34" charset="0"/>
+              </a:endParaRPr>
             </a:p>
             <a:p>
               <a:r>
-                <a:rPr lang="en-US" sz="1600" dirty="0">
+                <a:rPr lang="en-US" sz="1200" dirty="0" smtClean="0">
                   <a:solidFill>
                     <a:schemeClr val="tx1"/>
                   </a:solidFill>
                   <a:latin typeface="Calibri" panose="020F0502020204030204" pitchFamily="34" charset="0"/>
                   <a:cs typeface="Calibri" panose="020F0502020204030204" pitchFamily="34" charset="0"/>
                 </a:rPr>
-                <a:t>Number of Dead Enemy:</a:t>
+                <a:t>Image Gems: Number </a:t>
               </a:r>
+              <a:r>
+                <a:rPr lang="en-US" sz="1200" dirty="0">
+                  <a:solidFill>
+                    <a:schemeClr val="tx1"/>
+                  </a:solidFill>
+                  <a:latin typeface="Calibri" panose="020F0502020204030204" pitchFamily="34" charset="0"/>
+                  <a:cs typeface="Calibri" panose="020F0502020204030204" pitchFamily="34" charset="0"/>
+                </a:rPr>
+                <a:t>of </a:t>
+              </a:r>
+              <a:r>
+                <a:rPr lang="en-US" sz="1200" dirty="0">
+                  <a:solidFill>
+                    <a:schemeClr val="tx1"/>
+                  </a:solidFill>
+                  <a:latin typeface="Calibri" panose="020F0502020204030204" pitchFamily="34" charset="0"/>
+                  <a:cs typeface="Calibri" panose="020F0502020204030204" pitchFamily="34" charset="0"/>
+                </a:rPr>
+                <a:t>collected</a:t>
+              </a:r>
+              <a:endParaRPr lang="en-US" sz="1200" dirty="0">
+                <a:solidFill>
+                  <a:schemeClr val="tx1"/>
+                </a:solidFill>
+                <a:latin typeface="Calibri" panose="020F0502020204030204" pitchFamily="34" charset="0"/>
+                <a:cs typeface="Calibri" panose="020F0502020204030204" pitchFamily="34" charset="0"/>
+              </a:endParaRPr>
             </a:p>
           </p:txBody>
         </p:sp>
@@ -8754,232 +9152,56 @@
           </p:txBody>
         </p:sp>
       </p:grpSp>
+      <p:pic>
+        <p:nvPicPr>
+          <p:cNvPr id="9" name="Kuva 8"/>
+          <p:cNvPicPr>
+            <a:picLocks noChangeAspect="1"/>
+          </p:cNvPicPr>
+          <p:nvPr/>
+        </p:nvPicPr>
+        <p:blipFill rotWithShape="1">
+          <a:blip r:embed="rId3"/>
+          <a:srcRect l="10396" t="15608" r="10713" b="16215"/>
+          <a:stretch/>
+        </p:blipFill>
+        <p:spPr>
+          <a:xfrm>
+            <a:off x="3932200" y="1311629"/>
+            <a:ext cx="536713" cy="463826"/>
+          </a:xfrm>
+          <a:prstGeom prst="rect">
+            <a:avLst/>
+          </a:prstGeom>
+        </p:spPr>
+      </p:pic>
       <p:sp>
         <p:nvSpPr>
-          <p:cNvPr id="2" name="Rectangle: Rounded Corners 1">
-            <a:extLst>
-              <a:ext uri="{FF2B5EF4-FFF2-40B4-BE49-F238E27FC236}">
-                <a16:creationId xmlns:a16="http://schemas.microsoft.com/office/drawing/2014/main" id="{00D695B0-DBF1-4380-B16D-7FE6EE35AFDB}"/>
-              </a:ext>
-            </a:extLst>
-          </p:cNvPr>
-          <p:cNvSpPr/>
+          <p:cNvPr id="10" name="Tekstiruutu 9"/>
+          <p:cNvSpPr txBox="1"/>
           <p:nvPr/>
         </p:nvSpPr>
         <p:spPr>
           <a:xfrm>
-            <a:off x="4253347" y="1698842"/>
-            <a:ext cx="1440873" cy="660156"/>
+            <a:off x="3909391" y="1644650"/>
+            <a:ext cx="1689652" cy="261610"/>
           </a:xfrm>
-          <a:prstGeom prst="roundRect">
+          <a:prstGeom prst="rect">
             <a:avLst/>
           </a:prstGeom>
+          <a:noFill/>
         </p:spPr>
-        <p:style>
-          <a:lnRef idx="2">
-            <a:schemeClr val="dk1"/>
-          </a:lnRef>
-          <a:fillRef idx="1">
-            <a:schemeClr val="lt1"/>
-          </a:fillRef>
-          <a:effectRef idx="0">
-            <a:schemeClr val="dk1"/>
-          </a:effectRef>
-          <a:fontRef idx="minor">
-            <a:schemeClr val="dk1"/>
-          </a:fontRef>
-        </p:style>
         <p:txBody>
-          <a:bodyPr rtlCol="0" anchor="ctr"/>
+          <a:bodyPr wrap="square" rtlCol="0">
+            <a:spAutoFit/>
+          </a:bodyPr>
           <a:lstStyle/>
           <a:p>
-            <a:pPr algn="ctr"/>
             <a:r>
-              <a:rPr lang="en-US" dirty="0"/>
-              <a:t>As a text</a:t>
+              <a:rPr lang="fi-FI" sz="1100" dirty="0" err="1" smtClean="0"/>
+              <a:t>Pause</a:t>
             </a:r>
-          </a:p>
-        </p:txBody>
-      </p:sp>
-      <p:cxnSp>
-        <p:nvCxnSpPr>
-          <p:cNvPr id="8" name="Straight Arrow Connector 7">
-            <a:extLst>
-              <a:ext uri="{FF2B5EF4-FFF2-40B4-BE49-F238E27FC236}">
-                <a16:creationId xmlns:a16="http://schemas.microsoft.com/office/drawing/2014/main" id="{F039BDA8-8FCE-4B30-9E60-74078153AE0B}"/>
-              </a:ext>
-            </a:extLst>
-          </p:cNvPr>
-          <p:cNvCxnSpPr>
-            <a:cxnSpLocks/>
-          </p:cNvCxnSpPr>
-          <p:nvPr/>
-        </p:nvCxnSpPr>
-        <p:spPr>
-          <a:xfrm flipH="1" flipV="1">
-            <a:off x="3571794" y="1925880"/>
-            <a:ext cx="675448" cy="171776"/>
-          </a:xfrm>
-          <a:prstGeom prst="straightConnector1">
-            <a:avLst/>
-          </a:prstGeom>
-          <a:ln>
-            <a:tailEnd type="triangle"/>
-          </a:ln>
-        </p:spPr>
-        <p:style>
-          <a:lnRef idx="3">
-            <a:schemeClr val="accent2"/>
-          </a:lnRef>
-          <a:fillRef idx="0">
-            <a:schemeClr val="accent2"/>
-          </a:fillRef>
-          <a:effectRef idx="2">
-            <a:schemeClr val="accent2"/>
-          </a:effectRef>
-          <a:fontRef idx="minor">
-            <a:schemeClr val="tx1"/>
-          </a:fontRef>
-        </p:style>
-      </p:cxnSp>
-      <p:sp>
-        <p:nvSpPr>
-          <p:cNvPr id="11" name="Rectangle: Rounded Corners 10">
-            <a:extLst>
-              <a:ext uri="{FF2B5EF4-FFF2-40B4-BE49-F238E27FC236}">
-                <a16:creationId xmlns:a16="http://schemas.microsoft.com/office/drawing/2014/main" id="{2E6132E9-773A-439B-A6F9-7C0986982DF7}"/>
-              </a:ext>
-            </a:extLst>
-          </p:cNvPr>
-          <p:cNvSpPr/>
-          <p:nvPr/>
-        </p:nvSpPr>
-        <p:spPr>
-          <a:xfrm>
-            <a:off x="3028040" y="3608556"/>
-            <a:ext cx="1440873" cy="660156"/>
-          </a:xfrm>
-          <a:prstGeom prst="roundRect">
-            <a:avLst/>
-          </a:prstGeom>
-        </p:spPr>
-        <p:style>
-          <a:lnRef idx="2">
-            <a:schemeClr val="dk1"/>
-          </a:lnRef>
-          <a:fillRef idx="1">
-            <a:schemeClr val="lt1"/>
-          </a:fillRef>
-          <a:effectRef idx="0">
-            <a:schemeClr val="dk1"/>
-          </a:effectRef>
-          <a:fontRef idx="minor">
-            <a:schemeClr val="dk1"/>
-          </a:fontRef>
-        </p:style>
-        <p:txBody>
-          <a:bodyPr rtlCol="0" anchor="ctr"/>
-          <a:lstStyle/>
-          <a:p>
-            <a:pPr algn="ctr"/>
-            <a:r>
-              <a:rPr lang="en-US" dirty="0"/>
-              <a:t>Image, bar??</a:t>
-            </a:r>
-          </a:p>
-        </p:txBody>
-      </p:sp>
-      <p:cxnSp>
-        <p:nvCxnSpPr>
-          <p:cNvPr id="12" name="Straight Arrow Connector 11">
-            <a:extLst>
-              <a:ext uri="{FF2B5EF4-FFF2-40B4-BE49-F238E27FC236}">
-                <a16:creationId xmlns:a16="http://schemas.microsoft.com/office/drawing/2014/main" id="{042A9865-B72E-4972-8B1A-E5DE274A5E41}"/>
-              </a:ext>
-            </a:extLst>
-          </p:cNvPr>
-          <p:cNvCxnSpPr>
-            <a:cxnSpLocks/>
-          </p:cNvCxnSpPr>
-          <p:nvPr/>
-        </p:nvCxnSpPr>
-        <p:spPr>
-          <a:xfrm flipH="1">
-            <a:off x="2382982" y="3996077"/>
-            <a:ext cx="645059" cy="494892"/>
-          </a:xfrm>
-          <a:prstGeom prst="straightConnector1">
-            <a:avLst/>
-          </a:prstGeom>
-          <a:ln>
-            <a:tailEnd type="triangle"/>
-          </a:ln>
-        </p:spPr>
-        <p:style>
-          <a:lnRef idx="3">
-            <a:schemeClr val="accent2"/>
-          </a:lnRef>
-          <a:fillRef idx="0">
-            <a:schemeClr val="accent2"/>
-          </a:fillRef>
-          <a:effectRef idx="2">
-            <a:schemeClr val="accent2"/>
-          </a:effectRef>
-          <a:fontRef idx="minor">
-            <a:schemeClr val="tx1"/>
-          </a:fontRef>
-        </p:style>
-      </p:cxnSp>
-      <p:sp>
-        <p:nvSpPr>
-          <p:cNvPr id="14" name="Rectangle: Rounded Corners 13">
-            <a:extLst>
-              <a:ext uri="{FF2B5EF4-FFF2-40B4-BE49-F238E27FC236}">
-                <a16:creationId xmlns:a16="http://schemas.microsoft.com/office/drawing/2014/main" id="{10E4ED3B-5731-4C55-86CC-C43D68300BE0}"/>
-              </a:ext>
-            </a:extLst>
-          </p:cNvPr>
-          <p:cNvSpPr/>
-          <p:nvPr/>
-        </p:nvSpPr>
-        <p:spPr>
-          <a:xfrm>
-            <a:off x="5694220" y="2784503"/>
-            <a:ext cx="2036618" cy="660156"/>
-          </a:xfrm>
-          <a:prstGeom prst="roundRect">
-            <a:avLst/>
-          </a:prstGeom>
-        </p:spPr>
-        <p:style>
-          <a:lnRef idx="2">
-            <a:schemeClr val="dk1"/>
-          </a:lnRef>
-          <a:fillRef idx="1">
-            <a:schemeClr val="lt1"/>
-          </a:fillRef>
-          <a:effectRef idx="0">
-            <a:schemeClr val="dk1"/>
-          </a:effectRef>
-          <a:fontRef idx="minor">
-            <a:schemeClr val="dk1"/>
-          </a:fontRef>
-        </p:style>
-        <p:txBody>
-          <a:bodyPr rtlCol="0" anchor="ctr"/>
-          <a:lstStyle/>
-          <a:p>
-            <a:pPr algn="ctr"/>
-            <a:r>
-              <a:rPr lang="en-US" sz="2000" b="1" dirty="0">
-                <a:solidFill>
-                  <a:srgbClr val="FF0000"/>
-                </a:solidFill>
-                <a:latin typeface="Calibri" panose="020F0502020204030204" pitchFamily="34" charset="0"/>
-                <a:cs typeface="Calibri" panose="020F0502020204030204" pitchFamily="34" charset="0"/>
-              </a:rPr>
-              <a:t>WHAT ELSE?</a:t>
-            </a:r>
+            <a:endParaRPr lang="fi-FI" sz="1100" dirty="0"/>
           </a:p>
         </p:txBody>
       </p:sp>
@@ -9071,7 +9293,7 @@
           <p:nvPr>
             <p:extLst>
               <p:ext uri="{D42A27DB-BD31-4B8C-83A1-F6EECF244321}">
-                <p14:modId xmlns:p14="http://schemas.microsoft.com/office/powerpoint/2010/main" val="3910934627"/>
+                <p14:modId xmlns:p14="http://schemas.microsoft.com/office/powerpoint/2010/main" val="3093960764"/>
               </p:ext>
             </p:extLst>
           </p:nvPr>
@@ -9741,36 +9963,20 @@
                         </a:spcAft>
                       </a:pPr>
                       <a:r>
-                        <a:rPr lang="en-US" sz="1400" dirty="0">
+                        <a:rPr lang="en-US" sz="1400" dirty="0" smtClean="0">
                           <a:effectLst/>
                           <a:latin typeface="Calibri" panose="020F0502020204030204" pitchFamily="34" charset="0"/>
                           <a:ea typeface="Calibri" panose="020F0502020204030204" pitchFamily="34" charset="0"/>
                           <a:cs typeface="Calibri" panose="020F0502020204030204" pitchFamily="34" charset="0"/>
                         </a:rPr>
-                        <a:t>Little-</a:t>
+                        <a:t>Hatter</a:t>
                       </a:r>
-                    </a:p>
-                    <a:p>
-                      <a:pPr marL="0" marR="0">
-                        <a:lnSpc>
-                          <a:spcPct val="107000"/>
-                        </a:lnSpc>
-                        <a:spcBef>
-                          <a:spcPts val="0"/>
-                        </a:spcBef>
-                        <a:spcAft>
-                          <a:spcPts val="0"/>
-                        </a:spcAft>
-                      </a:pPr>
-                      <a:r>
-                        <a:rPr lang="en-US" sz="1400" dirty="0">
-                          <a:effectLst/>
-                          <a:latin typeface="Calibri" panose="020F0502020204030204" pitchFamily="34" charset="0"/>
-                          <a:ea typeface="Calibri" panose="020F0502020204030204" pitchFamily="34" charset="0"/>
-                          <a:cs typeface="Calibri" panose="020F0502020204030204" pitchFamily="34" charset="0"/>
-                        </a:rPr>
-                        <a:t>Big Hand</a:t>
-                      </a:r>
+                      <a:endParaRPr lang="en-US" sz="1400" dirty="0">
+                        <a:effectLst/>
+                        <a:latin typeface="Calibri" panose="020F0502020204030204" pitchFamily="34" charset="0"/>
+                        <a:ea typeface="Calibri" panose="020F0502020204030204" pitchFamily="34" charset="0"/>
+                        <a:cs typeface="Calibri" panose="020F0502020204030204" pitchFamily="34" charset="0"/>
+                      </a:endParaRPr>
                     </a:p>
                   </a:txBody>
                   <a:tcPr marL="68580" marR="68580" marT="0" marB="0"/>
@@ -9865,8 +10071,73 @@
                           <a:ea typeface="Calibri" panose="020F0502020204030204" pitchFamily="34" charset="0"/>
                           <a:cs typeface="Calibri" panose="020F0502020204030204" pitchFamily="34" charset="0"/>
                         </a:rPr>
-                        <a:t>Collecting items</a:t>
+                        <a:t>Collecting </a:t>
                       </a:r>
+                      <a:r>
+                        <a:rPr lang="en-US" sz="1400" dirty="0" smtClean="0">
+                          <a:effectLst/>
+                          <a:latin typeface="Calibri" panose="020F0502020204030204" pitchFamily="34" charset="0"/>
+                          <a:ea typeface="Calibri" panose="020F0502020204030204" pitchFamily="34" charset="0"/>
+                          <a:cs typeface="Calibri" panose="020F0502020204030204" pitchFamily="34" charset="0"/>
+                        </a:rPr>
+                        <a:t>items</a:t>
+                      </a:r>
+                    </a:p>
+                    <a:p>
+                      <a:pPr marL="0" marR="0">
+                        <a:lnSpc>
+                          <a:spcPct val="107000"/>
+                        </a:lnSpc>
+                        <a:spcBef>
+                          <a:spcPts val="0"/>
+                        </a:spcBef>
+                        <a:spcAft>
+                          <a:spcPts val="0"/>
+                        </a:spcAft>
+                      </a:pPr>
+                      <a:endParaRPr lang="en-US" sz="1400" dirty="0" smtClean="0">
+                        <a:effectLst/>
+                        <a:latin typeface="Calibri" panose="020F0502020204030204" pitchFamily="34" charset="0"/>
+                        <a:ea typeface="Calibri" panose="020F0502020204030204" pitchFamily="34" charset="0"/>
+                        <a:cs typeface="Calibri" panose="020F0502020204030204" pitchFamily="34" charset="0"/>
+                      </a:endParaRPr>
+                    </a:p>
+                    <a:p>
+                      <a:pPr marL="0" marR="0">
+                        <a:lnSpc>
+                          <a:spcPct val="107000"/>
+                        </a:lnSpc>
+                        <a:spcBef>
+                          <a:spcPts val="0"/>
+                        </a:spcBef>
+                        <a:spcAft>
+                          <a:spcPts val="0"/>
+                        </a:spcAft>
+                      </a:pPr>
+                      <a:r>
+                        <a:rPr lang="en-US" sz="1400" dirty="0" smtClean="0">
+                          <a:effectLst/>
+                          <a:latin typeface="Calibri" panose="020F0502020204030204" pitchFamily="34" charset="0"/>
+                          <a:ea typeface="Calibri" panose="020F0502020204030204" pitchFamily="34" charset="0"/>
+                          <a:cs typeface="Calibri" panose="020F0502020204030204" pitchFamily="34" charset="0"/>
+                        </a:rPr>
+                        <a:t>Solving</a:t>
+                      </a:r>
+                      <a:r>
+                        <a:rPr lang="en-US" sz="1400" baseline="0" dirty="0" smtClean="0">
+                          <a:effectLst/>
+                          <a:latin typeface="Calibri" panose="020F0502020204030204" pitchFamily="34" charset="0"/>
+                          <a:ea typeface="Calibri" panose="020F0502020204030204" pitchFamily="34" charset="0"/>
+                          <a:cs typeface="Calibri" panose="020F0502020204030204" pitchFamily="34" charset="0"/>
+                        </a:rPr>
+                        <a:t> puzzles</a:t>
+                      </a:r>
+                      <a:endParaRPr lang="en-US" sz="1400" dirty="0">
+                        <a:effectLst/>
+                        <a:latin typeface="Calibri" panose="020F0502020204030204" pitchFamily="34" charset="0"/>
+                        <a:ea typeface="Calibri" panose="020F0502020204030204" pitchFamily="34" charset="0"/>
+                        <a:cs typeface="Calibri" panose="020F0502020204030204" pitchFamily="34" charset="0"/>
+                      </a:endParaRPr>
                     </a:p>
                   </a:txBody>
                   <a:tcPr marL="68580" marR="68580" marT="0" marB="0"/>
@@ -9888,13 +10159,18 @@
                         </a:spcAft>
                       </a:pPr>
                       <a:r>
-                        <a:rPr lang="en-US" sz="1400" dirty="0">
+                        <a:rPr lang="en-US" sz="1400" dirty="0" smtClean="0">
                           <a:effectLst/>
                           <a:latin typeface="Calibri" panose="020F0502020204030204" pitchFamily="34" charset="0"/>
                           <a:cs typeface="Calibri" panose="020F0502020204030204" pitchFamily="34" charset="0"/>
                         </a:rPr>
-                        <a:t>Crystals</a:t>
+                        <a:t>Gems</a:t>
                       </a:r>
+                      <a:endParaRPr lang="en-US" sz="1400" dirty="0">
+                        <a:effectLst/>
+                        <a:latin typeface="Calibri" panose="020F0502020204030204" pitchFamily="34" charset="0"/>
+                        <a:cs typeface="Calibri" panose="020F0502020204030204" pitchFamily="34" charset="0"/>
+                      </a:endParaRPr>
                     </a:p>
                   </a:txBody>
                   <a:tcPr marL="68580" marR="68580" marT="0" marB="0"/>
@@ -9971,14 +10247,20 @@
                         </a:spcAft>
                       </a:pPr>
                       <a:r>
-                        <a:rPr lang="en-US" sz="1400" dirty="0">
+                        <a:rPr lang="en-US" sz="1400" dirty="0" smtClean="0">
                           <a:effectLst/>
                           <a:latin typeface="Calibri" panose="020F0502020204030204" pitchFamily="34" charset="0"/>
                           <a:ea typeface="Calibri" panose="020F0502020204030204" pitchFamily="34" charset="0"/>
                           <a:cs typeface="Calibri" panose="020F0502020204030204" pitchFamily="34" charset="0"/>
                         </a:rPr>
-                        <a:t>20?</a:t>
+                        <a:t>15</a:t>
                       </a:r>
+                      <a:endParaRPr lang="en-US" sz="1400" dirty="0">
+                        <a:effectLst/>
+                        <a:latin typeface="Calibri" panose="020F0502020204030204" pitchFamily="34" charset="0"/>
+                        <a:ea typeface="Calibri" panose="020F0502020204030204" pitchFamily="34" charset="0"/>
+                        <a:cs typeface="Calibri" panose="020F0502020204030204" pitchFamily="34" charset="0"/>
+                      </a:endParaRPr>
                     </a:p>
                   </a:txBody>
                   <a:tcPr marL="68580" marR="68580" marT="0" marB="0"/>
@@ -10162,14 +10444,14 @@
           <p:nvPr>
             <p:extLst>
               <p:ext uri="{D42A27DB-BD31-4B8C-83A1-F6EECF244321}">
-                <p14:modId xmlns:p14="http://schemas.microsoft.com/office/powerpoint/2010/main" val="2073263582"/>
+                <p14:modId xmlns:p14="http://schemas.microsoft.com/office/powerpoint/2010/main" val="2122245356"/>
               </p:ext>
             </p:extLst>
           </p:nvPr>
         </p:nvGraphicFramePr>
         <p:xfrm>
           <a:off x="592282" y="1084117"/>
-          <a:ext cx="8122920" cy="3654138"/>
+          <a:ext cx="8122920" cy="3273138"/>
         </p:xfrm>
         <a:graphic>
           <a:graphicData uri="http://schemas.openxmlformats.org/drawingml/2006/table">
@@ -10237,12 +10519,16 @@
                     <a:lstStyle/>
                     <a:p>
                       <a:r>
-                        <a:rPr lang="en-US" dirty="0">
+                        <a:rPr lang="en-US" dirty="0" err="1" smtClean="0">
                           <a:latin typeface="Calibri" panose="020F0502020204030204" pitchFamily="34" charset="0"/>
                           <a:cs typeface="Calibri" panose="020F0502020204030204" pitchFamily="34" charset="0"/>
                         </a:rPr>
-                        <a:t>Boss</a:t>
+                        <a:t>Belloow</a:t>
                       </a:r>
+                      <a:endParaRPr lang="en-US" dirty="0">
+                        <a:latin typeface="Calibri" panose="020F0502020204030204" pitchFamily="34" charset="0"/>
+                        <a:cs typeface="Calibri" panose="020F0502020204030204" pitchFamily="34" charset="0"/>
+                      </a:endParaRPr>
                     </a:p>
                   </a:txBody>
                   <a:tcPr/>
@@ -10253,12 +10539,16 @@
                     <a:lstStyle/>
                     <a:p>
                       <a:r>
-                        <a:rPr lang="en-US" dirty="0">
+                        <a:rPr lang="en-US" dirty="0" err="1" smtClean="0">
                           <a:latin typeface="Calibri" panose="020F0502020204030204" pitchFamily="34" charset="0"/>
                           <a:cs typeface="Calibri" panose="020F0502020204030204" pitchFamily="34" charset="0"/>
                         </a:rPr>
-                        <a:t>Taller</a:t>
+                        <a:t>Pumpking</a:t>
                       </a:r>
+                      <a:endParaRPr lang="en-US" dirty="0">
+                        <a:latin typeface="Calibri" panose="020F0502020204030204" pitchFamily="34" charset="0"/>
+                        <a:cs typeface="Calibri" panose="020F0502020204030204" pitchFamily="34" charset="0"/>
+                      </a:endParaRPr>
                     </a:p>
                   </a:txBody>
                   <a:tcPr/>
@@ -10285,11 +10575,18 @@
                     <a:lstStyle/>
                     <a:p>
                       <a:r>
-                        <a:rPr lang="en-US" dirty="0" err="1">
+                        <a:rPr lang="en-US" dirty="0" smtClean="0">
                           <a:latin typeface="Calibri" panose="020F0502020204030204" pitchFamily="34" charset="0"/>
                           <a:cs typeface="Calibri" panose="020F0502020204030204" pitchFamily="34" charset="0"/>
                         </a:rPr>
-                        <a:t>HandRock</a:t>
+                        <a:t>Scratchy</a:t>
+                      </a:r>
+                      <a:r>
+                        <a:rPr lang="en-US" baseline="0" dirty="0" smtClean="0">
+                          <a:latin typeface="Calibri" panose="020F0502020204030204" pitchFamily="34" charset="0"/>
+                          <a:cs typeface="Calibri" panose="020F0502020204030204" pitchFamily="34" charset="0"/>
+                        </a:rPr>
+                        <a:t> rock</a:t>
                       </a:r>
                       <a:endParaRPr lang="en-US" dirty="0">
                         <a:latin typeface="Calibri" panose="020F0502020204030204" pitchFamily="34" charset="0"/>
@@ -10402,71 +10699,12 @@
                     <a:bodyPr/>
                     <a:lstStyle/>
                     <a:p>
-                      <a:endParaRPr lang="en-US" dirty="0">
-                        <a:latin typeface="Calibri" panose="020F0502020204030204" pitchFamily="34" charset="0"/>
-                        <a:cs typeface="Calibri" panose="020F0502020204030204" pitchFamily="34" charset="0"/>
-                      </a:endParaRPr>
-                    </a:p>
-                  </a:txBody>
-                  <a:tcPr/>
-                </a:tc>
-                <a:tc>
-                  <a:txBody>
-                    <a:bodyPr/>
-                    <a:lstStyle/>
-                    <a:p>
-                      <a:endParaRPr lang="en-US" dirty="0">
-                        <a:latin typeface="Calibri" panose="020F0502020204030204" pitchFamily="34" charset="0"/>
-                        <a:cs typeface="Calibri" panose="020F0502020204030204" pitchFamily="34" charset="0"/>
-                      </a:endParaRPr>
-                    </a:p>
-                  </a:txBody>
-                  <a:tcPr/>
-                </a:tc>
-                <a:tc>
-                  <a:txBody>
-                    <a:bodyPr/>
-                    <a:lstStyle/>
-                    <a:p>
-                      <a:endParaRPr lang="en-US" dirty="0">
-                        <a:latin typeface="Calibri" panose="020F0502020204030204" pitchFamily="34" charset="0"/>
-                        <a:cs typeface="Calibri" panose="020F0502020204030204" pitchFamily="34" charset="0"/>
-                      </a:endParaRPr>
-                    </a:p>
-                  </a:txBody>
-                  <a:tcPr/>
-                </a:tc>
-                <a:tc>
-                  <a:txBody>
-                    <a:bodyPr/>
-                    <a:lstStyle/>
-                    <a:p>
-                      <a:endParaRPr lang="en-US" dirty="0">
-                        <a:latin typeface="Calibri" panose="020F0502020204030204" pitchFamily="34" charset="0"/>
-                        <a:cs typeface="Calibri" panose="020F0502020204030204" pitchFamily="34" charset="0"/>
-                      </a:endParaRPr>
-                    </a:p>
-                  </a:txBody>
-                  <a:tcPr/>
-                </a:tc>
-                <a:extLst>
-                  <a:ext uri="{0D108BD9-81ED-4DB2-BD59-A6C34878D82A}">
-                    <a16:rowId xmlns:a16="http://schemas.microsoft.com/office/drawing/2014/main" val="649842292"/>
-                  </a:ext>
-                </a:extLst>
-              </a:tr>
-              <a:tr h="381000">
-                <a:tc>
-                  <a:txBody>
-                    <a:bodyPr/>
-                    <a:lstStyle/>
-                    <a:p>
                       <a:r>
-                        <a:rPr lang="en-US" dirty="0" err="1">
+                        <a:rPr lang="en-US" dirty="0" smtClean="0">
                           <a:latin typeface="Calibri" panose="020F0502020204030204" pitchFamily="34" charset="0"/>
                           <a:cs typeface="Calibri" panose="020F0502020204030204" pitchFamily="34" charset="0"/>
                         </a:rPr>
-                        <a:t>Behaviour</a:t>
+                        <a:t>2</a:t>
                       </a:r>
                       <a:endParaRPr lang="en-US" dirty="0">
                         <a:latin typeface="Calibri" panose="020F0502020204030204" pitchFamily="34" charset="0"/>
@@ -10482,21 +10720,12 @@
                     <a:lstStyle/>
                     <a:p>
                       <a:r>
-                        <a:rPr lang="en-US" dirty="0">
+                        <a:rPr lang="en-US" dirty="0" smtClean="0">
                           <a:latin typeface="Calibri" panose="020F0502020204030204" pitchFamily="34" charset="0"/>
                           <a:cs typeface="Calibri" panose="020F0502020204030204" pitchFamily="34" charset="0"/>
                         </a:rPr>
-                        <a:t>??</a:t>
+                        <a:t>1.2</a:t>
                       </a:r>
-                    </a:p>
-                  </a:txBody>
-                  <a:tcPr/>
-                </a:tc>
-                <a:tc>
-                  <a:txBody>
-                    <a:bodyPr/>
-                    <a:lstStyle/>
-                    <a:p>
                       <a:endParaRPr lang="en-US" dirty="0">
                         <a:latin typeface="Calibri" panose="020F0502020204030204" pitchFamily="34" charset="0"/>
                         <a:cs typeface="Calibri" panose="020F0502020204030204" pitchFamily="34" charset="0"/>
@@ -10510,6 +10739,13 @@
                     <a:bodyPr/>
                     <a:lstStyle/>
                     <a:p>
+                      <a:r>
+                        <a:rPr lang="en-US" dirty="0" smtClean="0">
+                          <a:latin typeface="Calibri" panose="020F0502020204030204" pitchFamily="34" charset="0"/>
+                          <a:cs typeface="Calibri" panose="020F0502020204030204" pitchFamily="34" charset="0"/>
+                        </a:rPr>
+                        <a:t>0.5</a:t>
+                      </a:r>
                       <a:endParaRPr lang="en-US" dirty="0">
                         <a:latin typeface="Calibri" panose="020F0502020204030204" pitchFamily="34" charset="0"/>
                         <a:cs typeface="Calibri" panose="020F0502020204030204" pitchFamily="34" charset="0"/>
@@ -10523,6 +10759,13 @@
                     <a:bodyPr/>
                     <a:lstStyle/>
                     <a:p>
+                      <a:r>
+                        <a:rPr lang="en-US" dirty="0" smtClean="0">
+                          <a:latin typeface="Calibri" panose="020F0502020204030204" pitchFamily="34" charset="0"/>
+                          <a:cs typeface="Calibri" panose="020F0502020204030204" pitchFamily="34" charset="0"/>
+                        </a:rPr>
+                        <a:t>0.2</a:t>
+                      </a:r>
                       <a:endParaRPr lang="en-US" dirty="0">
                         <a:latin typeface="Calibri" panose="020F0502020204030204" pitchFamily="34" charset="0"/>
                         <a:cs typeface="Calibri" panose="020F0502020204030204" pitchFamily="34" charset="0"/>
@@ -10533,7 +10776,7 @@
                 </a:tc>
                 <a:extLst>
                   <a:ext uri="{0D108BD9-81ED-4DB2-BD59-A6C34878D82A}">
-                    <a16:rowId xmlns:a16="http://schemas.microsoft.com/office/drawing/2014/main" val="40061128"/>
+                    <a16:rowId xmlns:a16="http://schemas.microsoft.com/office/drawing/2014/main" val="649842292"/>
                   </a:ext>
                 </a:extLst>
               </a:tr>
@@ -10560,12 +10803,16 @@
                     <a:lstStyle/>
                     <a:p>
                       <a:r>
-                        <a:rPr lang="en-US" dirty="0">
+                        <a:rPr lang="en-US" dirty="0" smtClean="0">
                           <a:latin typeface="Calibri" panose="020F0502020204030204" pitchFamily="34" charset="0"/>
                           <a:cs typeface="Calibri" panose="020F0502020204030204" pitchFamily="34" charset="0"/>
                         </a:rPr>
-                        <a:t>??</a:t>
+                        <a:t>Laser eye</a:t>
                       </a:r>
+                      <a:endParaRPr lang="en-US" dirty="0">
+                        <a:latin typeface="Calibri" panose="020F0502020204030204" pitchFamily="34" charset="0"/>
+                        <a:cs typeface="Calibri" panose="020F0502020204030204" pitchFamily="34" charset="0"/>
+                      </a:endParaRPr>
                     </a:p>
                   </a:txBody>
                   <a:tcPr/>
@@ -10591,6 +10838,13 @@
                     <a:bodyPr/>
                     <a:lstStyle/>
                     <a:p>
+                      <a:r>
+                        <a:rPr lang="en-US" dirty="0" smtClean="0">
+                          <a:latin typeface="Calibri" panose="020F0502020204030204" pitchFamily="34" charset="0"/>
+                          <a:cs typeface="Calibri" panose="020F0502020204030204" pitchFamily="34" charset="0"/>
+                        </a:rPr>
+                        <a:t>Electric Shock</a:t>
+                      </a:r>
                       <a:endParaRPr lang="en-US" dirty="0">
                         <a:latin typeface="Calibri" panose="020F0502020204030204" pitchFamily="34" charset="0"/>
                         <a:cs typeface="Calibri" panose="020F0502020204030204" pitchFamily="34" charset="0"/>
@@ -10605,12 +10859,16 @@
                     <a:lstStyle/>
                     <a:p>
                       <a:r>
-                        <a:rPr lang="en-US" dirty="0">
+                        <a:rPr lang="en-US" dirty="0" smtClean="0">
                           <a:latin typeface="Calibri" panose="020F0502020204030204" pitchFamily="34" charset="0"/>
                           <a:cs typeface="Calibri" panose="020F0502020204030204" pitchFamily="34" charset="0"/>
                         </a:rPr>
-                        <a:t>Throw/rocks??</a:t>
+                        <a:t>Scratching</a:t>
                       </a:r>
+                      <a:endParaRPr lang="en-US" dirty="0">
+                        <a:latin typeface="Calibri" panose="020F0502020204030204" pitchFamily="34" charset="0"/>
+                        <a:cs typeface="Calibri" panose="020F0502020204030204" pitchFamily="34" charset="0"/>
+                      </a:endParaRPr>
                     </a:p>
                   </a:txBody>
                   <a:tcPr/>
@@ -11547,21 +11805,12 @@
                 <a:latin typeface="Calibri" panose="020F0502020204030204" pitchFamily="34" charset="0"/>
                 <a:cs typeface="Calibri" panose="020F0502020204030204" pitchFamily="34" charset="0"/>
               </a:rPr>
-              <a:t>Flowers: 	for healing player health</a:t>
+              <a:t>Flowers: 	for healing player </a:t>
             </a:r>
-          </a:p>
-          <a:p>
-            <a:pPr marL="0" indent="0">
-              <a:spcAft>
-                <a:spcPts val="1600"/>
-              </a:spcAft>
-              <a:buFont typeface="Arial"/>
-              <a:buNone/>
-            </a:pPr>
             <a:r>
-              <a:rPr lang="en-US" sz="2400" b="1" dirty="0">
+              <a:rPr lang="en-US" sz="2400" dirty="0" smtClean="0">
                 <a:solidFill>
-                  <a:srgbClr val="FF0000"/>
+                  <a:srgbClr val="222222"/>
                 </a:solidFill>
                 <a:highlight>
                   <a:srgbClr val="FFFFFF"/>
@@ -11569,8 +11818,40 @@
                 <a:latin typeface="Calibri" panose="020F0502020204030204" pitchFamily="34" charset="0"/>
                 <a:cs typeface="Calibri" panose="020F0502020204030204" pitchFamily="34" charset="0"/>
               </a:rPr>
-              <a:t>What else?</a:t>
+              <a:t>health</a:t>
             </a:r>
+          </a:p>
+          <a:p>
+            <a:pPr marL="0" indent="0">
+              <a:spcAft>
+                <a:spcPts val="1600"/>
+              </a:spcAft>
+              <a:buFont typeface="Arial"/>
+              <a:buNone/>
+            </a:pPr>
+            <a:r>
+              <a:rPr lang="en-US" sz="2400" dirty="0" smtClean="0">
+                <a:solidFill>
+                  <a:srgbClr val="222222"/>
+                </a:solidFill>
+                <a:highlight>
+                  <a:srgbClr val="FFFFFF"/>
+                </a:highlight>
+                <a:latin typeface="Calibri" panose="020F0502020204030204" pitchFamily="34" charset="0"/>
+                <a:cs typeface="Calibri" panose="020F0502020204030204" pitchFamily="34" charset="0"/>
+              </a:rPr>
+              <a:t>Gems:               find 3 different type of gems.</a:t>
+            </a:r>
+            <a:endParaRPr lang="en-US" sz="2400" b="1" dirty="0">
+              <a:solidFill>
+                <a:srgbClr val="FF0000"/>
+              </a:solidFill>
+              <a:highlight>
+                <a:srgbClr val="FFFFFF"/>
+              </a:highlight>
+              <a:latin typeface="Calibri" panose="020F0502020204030204" pitchFamily="34" charset="0"/>
+              <a:cs typeface="Calibri" panose="020F0502020204030204" pitchFamily="34" charset="0"/>
+            </a:endParaRPr>
           </a:p>
           <a:p>
             <a:pPr marL="0" indent="0">
@@ -11903,12 +12184,22 @@
             </a:pPr>
             <a:r>
               <a:rPr lang="fi" sz="1800" dirty="0">
+                <a:solidFill>
+                  <a:schemeClr val="bg1">
+                    <a:lumMod val="50000"/>
+                  </a:schemeClr>
+                </a:solidFill>
                 <a:latin typeface="Calibri" panose="020F0502020204030204" pitchFamily="34" charset="0"/>
                 <a:cs typeface="Calibri" panose="020F0502020204030204" pitchFamily="34" charset="0"/>
               </a:rPr>
               <a:t>Game Overview</a:t>
             </a:r>
             <a:endParaRPr sz="1800" dirty="0">
+              <a:solidFill>
+                <a:schemeClr val="bg1">
+                  <a:lumMod val="50000"/>
+                </a:schemeClr>
+              </a:solidFill>
               <a:latin typeface="Calibri" panose="020F0502020204030204" pitchFamily="34" charset="0"/>
               <a:cs typeface="Calibri" panose="020F0502020204030204" pitchFamily="34" charset="0"/>
             </a:endParaRPr>
@@ -11929,12 +12220,22 @@
             </a:pPr>
             <a:r>
               <a:rPr lang="fi" sz="1800" dirty="0">
+                <a:solidFill>
+                  <a:schemeClr val="bg1">
+                    <a:lumMod val="50000"/>
+                  </a:schemeClr>
+                </a:solidFill>
                 <a:latin typeface="Calibri" panose="020F0502020204030204" pitchFamily="34" charset="0"/>
                 <a:cs typeface="Calibri" panose="020F0502020204030204" pitchFamily="34" charset="0"/>
               </a:rPr>
               <a:t>Synopsis</a:t>
             </a:r>
             <a:endParaRPr sz="1800" dirty="0">
+              <a:solidFill>
+                <a:schemeClr val="bg1">
+                  <a:lumMod val="50000"/>
+                </a:schemeClr>
+              </a:solidFill>
               <a:latin typeface="Calibri" panose="020F0502020204030204" pitchFamily="34" charset="0"/>
               <a:cs typeface="Calibri" panose="020F0502020204030204" pitchFamily="34" charset="0"/>
             </a:endParaRPr>
@@ -11959,7 +12260,9 @@
             <a:r>
               <a:rPr lang="fi" sz="1800" dirty="0">
                 <a:solidFill>
-                  <a:srgbClr val="666666"/>
+                  <a:schemeClr val="bg1">
+                    <a:lumMod val="50000"/>
+                  </a:schemeClr>
                 </a:solidFill>
                 <a:latin typeface="Calibri" panose="020F0502020204030204" pitchFamily="34" charset="0"/>
                 <a:cs typeface="Calibri" panose="020F0502020204030204" pitchFamily="34" charset="0"/>
@@ -11968,7 +12271,9 @@
             </a:r>
             <a:endParaRPr sz="1800" dirty="0">
               <a:solidFill>
-                <a:srgbClr val="666666"/>
+                <a:schemeClr val="bg1">
+                  <a:lumMod val="50000"/>
+                </a:schemeClr>
               </a:solidFill>
               <a:latin typeface="Calibri" panose="020F0502020204030204" pitchFamily="34" charset="0"/>
               <a:cs typeface="Calibri" panose="020F0502020204030204" pitchFamily="34" charset="0"/>
@@ -11994,7 +12299,9 @@
             <a:r>
               <a:rPr lang="fi" sz="1800" dirty="0">
                 <a:solidFill>
-                  <a:srgbClr val="666666"/>
+                  <a:schemeClr val="bg1">
+                    <a:lumMod val="50000"/>
+                  </a:schemeClr>
                 </a:solidFill>
                 <a:latin typeface="Calibri" panose="020F0502020204030204" pitchFamily="34" charset="0"/>
                 <a:cs typeface="Calibri" panose="020F0502020204030204" pitchFamily="34" charset="0"/>
@@ -12003,7 +12310,9 @@
             </a:r>
             <a:endParaRPr sz="1800" dirty="0">
               <a:solidFill>
-                <a:srgbClr val="666666"/>
+                <a:schemeClr val="bg1">
+                  <a:lumMod val="50000"/>
+                </a:schemeClr>
               </a:solidFill>
               <a:latin typeface="Calibri" panose="020F0502020204030204" pitchFamily="34" charset="0"/>
               <a:cs typeface="Calibri" panose="020F0502020204030204" pitchFamily="34" charset="0"/>
@@ -12029,7 +12338,9 @@
             <a:r>
               <a:rPr lang="fi" sz="1800" dirty="0">
                 <a:solidFill>
-                  <a:srgbClr val="666666"/>
+                  <a:schemeClr val="bg1">
+                    <a:lumMod val="50000"/>
+                  </a:schemeClr>
                 </a:solidFill>
                 <a:latin typeface="Calibri" panose="020F0502020204030204" pitchFamily="34" charset="0"/>
                 <a:cs typeface="Calibri" panose="020F0502020204030204" pitchFamily="34" charset="0"/>
@@ -12038,7 +12349,9 @@
             </a:r>
             <a:endParaRPr sz="1800" dirty="0">
               <a:solidFill>
-                <a:srgbClr val="666666"/>
+                <a:schemeClr val="bg1">
+                  <a:lumMod val="50000"/>
+                </a:schemeClr>
               </a:solidFill>
               <a:latin typeface="Calibri" panose="020F0502020204030204" pitchFamily="34" charset="0"/>
               <a:cs typeface="Calibri" panose="020F0502020204030204" pitchFamily="34" charset="0"/>
@@ -12064,7 +12377,9 @@
             <a:r>
               <a:rPr lang="fi" sz="1800" dirty="0">
                 <a:solidFill>
-                  <a:srgbClr val="666666"/>
+                  <a:schemeClr val="bg1">
+                    <a:lumMod val="50000"/>
+                  </a:schemeClr>
                 </a:solidFill>
                 <a:latin typeface="Calibri" panose="020F0502020204030204" pitchFamily="34" charset="0"/>
                 <a:cs typeface="Calibri" panose="020F0502020204030204" pitchFamily="34" charset="0"/>
@@ -12073,7 +12388,9 @@
             </a:r>
             <a:endParaRPr sz="1800" dirty="0">
               <a:solidFill>
-                <a:srgbClr val="666666"/>
+                <a:schemeClr val="bg1">
+                  <a:lumMod val="50000"/>
+                </a:schemeClr>
               </a:solidFill>
               <a:latin typeface="Calibri" panose="020F0502020204030204" pitchFamily="34" charset="0"/>
               <a:cs typeface="Calibri" panose="020F0502020204030204" pitchFamily="34" charset="0"/>
@@ -12099,7 +12416,9 @@
             <a:r>
               <a:rPr lang="fi" sz="1800" dirty="0">
                 <a:solidFill>
-                  <a:srgbClr val="666666"/>
+                  <a:schemeClr val="bg1">
+                    <a:lumMod val="50000"/>
+                  </a:schemeClr>
                 </a:solidFill>
                 <a:latin typeface="Calibri" panose="020F0502020204030204" pitchFamily="34" charset="0"/>
                 <a:cs typeface="Calibri" panose="020F0502020204030204" pitchFamily="34" charset="0"/>
@@ -12108,7 +12427,9 @@
             </a:r>
             <a:endParaRPr sz="1800" dirty="0">
               <a:solidFill>
-                <a:srgbClr val="666666"/>
+                <a:schemeClr val="bg1">
+                  <a:lumMod val="50000"/>
+                </a:schemeClr>
               </a:solidFill>
               <a:latin typeface="Calibri" panose="020F0502020204030204" pitchFamily="34" charset="0"/>
               <a:cs typeface="Calibri" panose="020F0502020204030204" pitchFamily="34" charset="0"/>
@@ -12134,38 +12455,32 @@
             <a:r>
               <a:rPr lang="fi" sz="1800" dirty="0">
                 <a:solidFill>
-                  <a:srgbClr val="FF0000"/>
+                  <a:schemeClr val="bg1">
+                    <a:lumMod val="50000"/>
+                  </a:schemeClr>
                 </a:solidFill>
                 <a:latin typeface="Calibri" panose="020F0502020204030204" pitchFamily="34" charset="0"/>
                 <a:cs typeface="Calibri" panose="020F0502020204030204" pitchFamily="34" charset="0"/>
               </a:rPr>
-              <a:t>Core Game </a:t>
+              <a:t>Core </a:t>
             </a:r>
             <a:r>
-              <a:rPr lang="fi" sz="1800" dirty="0">
+              <a:rPr lang="fi" sz="1800" dirty="0" smtClean="0">
                 <a:solidFill>
-                  <a:srgbClr val="FF0000"/>
+                  <a:schemeClr val="bg1">
+                    <a:lumMod val="50000"/>
+                  </a:schemeClr>
                 </a:solidFill>
                 <a:latin typeface="Calibri" panose="020F0502020204030204" pitchFamily="34" charset="0"/>
                 <a:cs typeface="Calibri" panose="020F0502020204030204" pitchFamily="34" charset="0"/>
-                <a:sym typeface="Wingdings" panose="05000000000000000000" pitchFamily="2" charset="2"/>
               </a:rPr>
-              <a:t> </a:t>
-            </a:r>
-            <a:r>
-              <a:rPr lang="en-US" sz="1800" dirty="0">
-                <a:solidFill>
-                  <a:srgbClr val="FF0000"/>
-                </a:solidFill>
-                <a:latin typeface="Calibri" panose="020F0502020204030204" pitchFamily="34" charset="0"/>
-                <a:cs typeface="Calibri" panose="020F0502020204030204" pitchFamily="34" charset="0"/>
-                <a:sym typeface="Wingdings" panose="05000000000000000000" pitchFamily="2" charset="2"/>
-              </a:rPr>
-              <a:t>do something here please</a:t>
+              <a:t>Game</a:t>
             </a:r>
             <a:endParaRPr sz="1800" dirty="0">
               <a:solidFill>
-                <a:srgbClr val="FF0000"/>
+                <a:schemeClr val="bg1">
+                  <a:lumMod val="50000"/>
+                </a:schemeClr>
               </a:solidFill>
               <a:latin typeface="Calibri" panose="020F0502020204030204" pitchFamily="34" charset="0"/>
               <a:cs typeface="Calibri" panose="020F0502020204030204" pitchFamily="34" charset="0"/>
@@ -12191,7 +12506,9 @@
             <a:r>
               <a:rPr lang="en-US" sz="1800" dirty="0">
                 <a:solidFill>
-                  <a:srgbClr val="666666"/>
+                  <a:schemeClr val="bg1">
+                    <a:lumMod val="50000"/>
+                  </a:schemeClr>
                 </a:solidFill>
                 <a:latin typeface="Calibri" panose="020F0502020204030204" pitchFamily="34" charset="0"/>
                 <a:cs typeface="Calibri" panose="020F0502020204030204" pitchFamily="34" charset="0"/>
@@ -12201,7 +12518,9 @@
             <a:r>
               <a:rPr lang="fi" sz="1800" dirty="0">
                 <a:solidFill>
-                  <a:srgbClr val="666666"/>
+                  <a:schemeClr val="bg1">
+                    <a:lumMod val="50000"/>
+                  </a:schemeClr>
                 </a:solidFill>
                 <a:latin typeface="Calibri" panose="020F0502020204030204" pitchFamily="34" charset="0"/>
                 <a:cs typeface="Calibri" panose="020F0502020204030204" pitchFamily="34" charset="0"/>
@@ -12229,7 +12548,9 @@
             <a:r>
               <a:rPr lang="fi" sz="1800" dirty="0">
                 <a:solidFill>
-                  <a:srgbClr val="666666"/>
+                  <a:schemeClr val="bg1">
+                    <a:lumMod val="50000"/>
+                  </a:schemeClr>
                 </a:solidFill>
                 <a:latin typeface="Calibri" panose="020F0502020204030204" pitchFamily="34" charset="0"/>
                 <a:cs typeface="Calibri" panose="020F0502020204030204" pitchFamily="34" charset="0"/>
@@ -12257,7 +12578,9 @@
             <a:r>
               <a:rPr lang="fi" sz="1800" dirty="0">
                 <a:solidFill>
-                  <a:srgbClr val="666666"/>
+                  <a:schemeClr val="bg1">
+                    <a:lumMod val="50000"/>
+                  </a:schemeClr>
                 </a:solidFill>
                 <a:latin typeface="Calibri" panose="020F0502020204030204" pitchFamily="34" charset="0"/>
                 <a:cs typeface="Calibri" panose="020F0502020204030204" pitchFamily="34" charset="0"/>
@@ -12267,7 +12590,9 @@
             <a:r>
               <a:rPr lang="en-US" sz="1800" dirty="0">
                 <a:solidFill>
-                  <a:srgbClr val="666666"/>
+                  <a:schemeClr val="bg1">
+                    <a:lumMod val="50000"/>
+                  </a:schemeClr>
                 </a:solidFill>
                 <a:latin typeface="Calibri" panose="020F0502020204030204" pitchFamily="34" charset="0"/>
                 <a:cs typeface="Calibri" panose="020F0502020204030204" pitchFamily="34" charset="0"/>
@@ -12277,7 +12602,9 @@
             <a:r>
               <a:rPr lang="fi" sz="1800" dirty="0">
                 <a:solidFill>
-                  <a:srgbClr val="666666"/>
+                  <a:schemeClr val="bg1">
+                    <a:lumMod val="50000"/>
+                  </a:schemeClr>
                 </a:solidFill>
                 <a:latin typeface="Calibri" panose="020F0502020204030204" pitchFamily="34" charset="0"/>
                 <a:cs typeface="Calibri" panose="020F0502020204030204" pitchFamily="34" charset="0"/>
@@ -12305,7 +12632,9 @@
             <a:r>
               <a:rPr lang="fi" sz="1800" dirty="0">
                 <a:solidFill>
-                  <a:srgbClr val="666666"/>
+                  <a:schemeClr val="bg1">
+                    <a:lumMod val="50000"/>
+                  </a:schemeClr>
                 </a:solidFill>
                 <a:latin typeface="Calibri" panose="020F0502020204030204" pitchFamily="34" charset="0"/>
                 <a:cs typeface="Calibri" panose="020F0502020204030204" pitchFamily="34" charset="0"/>
@@ -12315,7 +12644,9 @@
             <a:r>
               <a:rPr lang="en-US" sz="1800" dirty="0">
                 <a:solidFill>
-                  <a:srgbClr val="666666"/>
+                  <a:schemeClr val="bg1">
+                    <a:lumMod val="50000"/>
+                  </a:schemeClr>
                 </a:solidFill>
                 <a:latin typeface="Calibri" panose="020F0502020204030204" pitchFamily="34" charset="0"/>
                 <a:cs typeface="Calibri" panose="020F0502020204030204" pitchFamily="34" charset="0"/>
@@ -12343,7 +12674,9 @@
             <a:r>
               <a:rPr lang="en-US" sz="1800" dirty="0">
                 <a:solidFill>
-                  <a:srgbClr val="666666"/>
+                  <a:schemeClr val="bg1">
+                    <a:lumMod val="50000"/>
+                  </a:schemeClr>
                 </a:solidFill>
                 <a:latin typeface="Calibri" panose="020F0502020204030204" pitchFamily="34" charset="0"/>
                 <a:cs typeface="Calibri" panose="020F0502020204030204" pitchFamily="34" charset="0"/>
@@ -12371,7 +12704,9 @@
             <a:r>
               <a:rPr lang="en-US" sz="1800" dirty="0">
                 <a:solidFill>
-                  <a:srgbClr val="666666"/>
+                  <a:schemeClr val="bg1">
+                    <a:lumMod val="50000"/>
+                  </a:schemeClr>
                 </a:solidFill>
                 <a:latin typeface="Calibri" panose="020F0502020204030204" pitchFamily="34" charset="0"/>
                 <a:cs typeface="Calibri" panose="020F0502020204030204" pitchFamily="34" charset="0"/>
@@ -12399,7 +12734,9 @@
             <a:r>
               <a:rPr lang="en-US" sz="1800" dirty="0">
                 <a:solidFill>
-                  <a:srgbClr val="666666"/>
+                  <a:schemeClr val="bg1">
+                    <a:lumMod val="50000"/>
+                  </a:schemeClr>
                 </a:solidFill>
                 <a:latin typeface="Calibri" panose="020F0502020204030204" pitchFamily="34" charset="0"/>
                 <a:cs typeface="Calibri" panose="020F0502020204030204" pitchFamily="34" charset="0"/>
@@ -12408,7 +12745,9 @@
             </a:r>
             <a:endParaRPr lang="fi" sz="1800" dirty="0">
               <a:solidFill>
-                <a:srgbClr val="666666"/>
+                <a:schemeClr val="bg1">
+                  <a:lumMod val="50000"/>
+                </a:schemeClr>
               </a:solidFill>
               <a:latin typeface="Calibri" panose="020F0502020204030204" pitchFamily="34" charset="0"/>
               <a:cs typeface="Calibri" panose="020F0502020204030204" pitchFamily="34" charset="0"/>
@@ -12492,6 +12831,13 @@
   <p:clrMapOvr>
     <a:masterClrMapping/>
   </p:clrMapOvr>
+  <p:timing>
+    <p:tnLst>
+      <p:par>
+        <p:cTn id="1" dur="indefinite" restart="never" nodeType="tmRoot"/>
+      </p:par>
+    </p:tnLst>
+  </p:timing>
 </p:sld>
 </file>
 
@@ -12605,8 +12951,19 @@
                 <a:latin typeface="Calibri" panose="020F0502020204030204" pitchFamily="34" charset="0"/>
                 <a:cs typeface="Calibri" panose="020F0502020204030204" pitchFamily="34" charset="0"/>
               </a:rPr>
-              <a:t>Publisher: 	Amiedu </a:t>
+              <a:t>Publisher: 	</a:t>
             </a:r>
+            <a:r>
+              <a:rPr lang="en-US" sz="2000" dirty="0" smtClean="0">
+                <a:latin typeface="Calibri" panose="020F0502020204030204" pitchFamily="34" charset="0"/>
+                <a:cs typeface="Calibri" panose="020F0502020204030204" pitchFamily="34" charset="0"/>
+              </a:rPr>
+              <a:t>Monsters team </a:t>
+            </a:r>
+            <a:endParaRPr lang="en-US" sz="2000" dirty="0">
+              <a:latin typeface="Calibri" panose="020F0502020204030204" pitchFamily="34" charset="0"/>
+              <a:cs typeface="Calibri" panose="020F0502020204030204" pitchFamily="34" charset="0"/>
+            </a:endParaRPr>
           </a:p>
           <a:p>
             <a:r>
@@ -12663,8 +13020,26 @@
                 <a:latin typeface="Calibri" panose="020F0502020204030204" pitchFamily="34" charset="0"/>
                 <a:cs typeface="Calibri" panose="020F0502020204030204" pitchFamily="34" charset="0"/>
               </a:rPr>
-              <a:t>Release date: May 2018 </a:t>
+              <a:t>Release date: </a:t>
             </a:r>
+            <a:r>
+              <a:rPr lang="en-US" sz="2000" dirty="0" smtClean="0">
+                <a:latin typeface="Calibri" panose="020F0502020204030204" pitchFamily="34" charset="0"/>
+                <a:cs typeface="Calibri" panose="020F0502020204030204" pitchFamily="34" charset="0"/>
+              </a:rPr>
+              <a:t>June</a:t>
+            </a:r>
+            <a:r>
+              <a:rPr lang="en-US" sz="2000" dirty="0" smtClean="0">
+                <a:latin typeface="Calibri" panose="020F0502020204030204" pitchFamily="34" charset="0"/>
+                <a:cs typeface="Calibri" panose="020F0502020204030204" pitchFamily="34" charset="0"/>
+              </a:rPr>
+              <a:t> 2018 </a:t>
+            </a:r>
+            <a:endParaRPr lang="en-US" sz="2000" dirty="0">
+              <a:latin typeface="Calibri" panose="020F0502020204030204" pitchFamily="34" charset="0"/>
+              <a:cs typeface="Calibri" panose="020F0502020204030204" pitchFamily="34" charset="0"/>
+            </a:endParaRPr>
           </a:p>
         </p:txBody>
       </p:sp>
@@ -12915,21 +13290,16 @@
           <a:lstStyle/>
           <a:p>
             <a:r>
-              <a:rPr lang="en-US" sz="2400" dirty="0">
-                <a:latin typeface="Calibri" panose="020F0502020204030204" pitchFamily="34" charset="0"/>
-                <a:cs typeface="Calibri" panose="020F0502020204030204" pitchFamily="34" charset="0"/>
-              </a:rPr>
-              <a:t>Multiplatform ??</a:t>
-            </a:r>
-          </a:p>
-          <a:p>
-            <a:r>
-              <a:rPr lang="en-US" sz="2400" dirty="0">
+              <a:rPr lang="en-US" sz="2400" dirty="0" smtClean="0">
                 <a:latin typeface="Calibri" panose="020F0502020204030204" pitchFamily="34" charset="0"/>
                 <a:cs typeface="Calibri" panose="020F0502020204030204" pitchFamily="34" charset="0"/>
               </a:rPr>
               <a:t>Challenges </a:t>
             </a:r>
+            <a:endParaRPr lang="en-US" sz="2400" dirty="0">
+              <a:latin typeface="Calibri" panose="020F0502020204030204" pitchFamily="34" charset="0"/>
+              <a:cs typeface="Calibri" panose="020F0502020204030204" pitchFamily="34" charset="0"/>
+            </a:endParaRPr>
           </a:p>
           <a:p>
             <a:r>
@@ -13020,53 +13390,6 @@
           </a:p>
         </p:txBody>
       </p:sp>
-      <p:pic>
-        <p:nvPicPr>
-          <p:cNvPr id="1028" name="Picture 4" descr="https://lh6.googleusercontent.com/ll2SEmanhc8FJlki2MMVwFZ82Cj065hCmQ7n0tmtMHbMK4uG6zZRlyau2RKsdnZ2I3nWjSrPimi5OdzWlDkji8ycrCJ2kgFg2pYH2kJEguPAZTQl2BkszhpYLOfbpAGmfw_Mp_e0lhJgvvmTOg">
-            <a:extLst>
-              <a:ext uri="{FF2B5EF4-FFF2-40B4-BE49-F238E27FC236}">
-                <a16:creationId xmlns:a16="http://schemas.microsoft.com/office/drawing/2014/main" id="{2976CF5A-062D-489E-9A67-E99067BA3AB6}"/>
-              </a:ext>
-            </a:extLst>
-          </p:cNvPr>
-          <p:cNvPicPr>
-            <a:picLocks noChangeAspect="1" noChangeArrowheads="1"/>
-          </p:cNvPicPr>
-          <p:nvPr/>
-        </p:nvPicPr>
-        <p:blipFill>
-          <a:blip r:embed="rId3">
-            <a:extLst>
-              <a:ext uri="{28A0092B-C50C-407E-A947-70E740481C1C}">
-                <a14:useLocalDpi xmlns:a14="http://schemas.microsoft.com/office/drawing/2010/main" val="0"/>
-              </a:ext>
-            </a:extLst>
-          </a:blip>
-          <a:srcRect/>
-          <a:stretch>
-            <a:fillRect/>
-          </a:stretch>
-        </p:blipFill>
-        <p:spPr bwMode="auto">
-          <a:xfrm>
-            <a:off x="528960" y="1505252"/>
-            <a:ext cx="8207999" cy="2923222"/>
-          </a:xfrm>
-          <a:prstGeom prst="rect">
-            <a:avLst/>
-          </a:prstGeom>
-          <a:noFill/>
-          <a:extLst>
-            <a:ext uri="{909E8E84-426E-40DD-AFC4-6F175D3DCCD1}">
-              <a14:hiddenFill xmlns:a14="http://schemas.microsoft.com/office/drawing/2010/main">
-                <a:solidFill>
-                  <a:srgbClr val="FFFFFF"/>
-                </a:solidFill>
-              </a14:hiddenFill>
-            </a:ext>
-          </a:extLst>
-        </p:spPr>
-      </p:pic>
       <p:sp>
         <p:nvSpPr>
           <p:cNvPr id="2" name="TextBox 1">
@@ -13105,6 +13428,70 @@
               </a:rPr>
               <a:t>Monster Forest</a:t>
             </a:r>
+          </a:p>
+        </p:txBody>
+      </p:sp>
+      <p:sp>
+        <p:nvSpPr>
+          <p:cNvPr id="5" name="Text Placeholder 2">
+            <a:extLst>
+              <a:ext uri="{FF2B5EF4-FFF2-40B4-BE49-F238E27FC236}">
+                <a16:creationId xmlns:a16="http://schemas.microsoft.com/office/drawing/2014/main" id="{7BE40452-BD67-49F1-9959-94B6800A0590}"/>
+              </a:ext>
+            </a:extLst>
+          </p:cNvPr>
+          <p:cNvSpPr>
+            <a:spLocks noGrp="1"/>
+          </p:cNvSpPr>
+          <p:nvPr>
+            <p:ph type="body" idx="1"/>
+          </p:nvPr>
+        </p:nvSpPr>
+        <p:spPr>
+          <a:xfrm>
+            <a:off x="311700" y="1152475"/>
+            <a:ext cx="8520600" cy="3416400"/>
+          </a:xfrm>
+        </p:spPr>
+        <p:txBody>
+          <a:bodyPr/>
+          <a:lstStyle/>
+          <a:p>
+            <a:r>
+              <a:rPr lang="en-US" sz="2400" dirty="0" smtClean="0">
+                <a:latin typeface="Calibri" panose="020F0502020204030204" pitchFamily="34" charset="0"/>
+                <a:cs typeface="Calibri" panose="020F0502020204030204" pitchFamily="34" charset="0"/>
+              </a:rPr>
+              <a:t>Super paper Mario </a:t>
+            </a:r>
+            <a:endParaRPr lang="en-US" sz="2400" dirty="0">
+              <a:latin typeface="Calibri" panose="020F0502020204030204" pitchFamily="34" charset="0"/>
+              <a:cs typeface="Calibri" panose="020F0502020204030204" pitchFamily="34" charset="0"/>
+            </a:endParaRPr>
+          </a:p>
+          <a:p>
+            <a:r>
+              <a:rPr lang="en-US" sz="2400" dirty="0" smtClean="0">
+                <a:latin typeface="Calibri" panose="020F0502020204030204" pitchFamily="34" charset="0"/>
+                <a:cs typeface="Calibri" panose="020F0502020204030204" pitchFamily="34" charset="0"/>
+              </a:rPr>
+              <a:t>Ori and the blind forest</a:t>
+            </a:r>
+          </a:p>
+          <a:p>
+            <a:pPr marL="114300" indent="0">
+              <a:buNone/>
+            </a:pPr>
+            <a:endParaRPr lang="en-US" sz="2400" dirty="0" smtClean="0">
+              <a:latin typeface="Calibri" panose="020F0502020204030204" pitchFamily="34" charset="0"/>
+              <a:cs typeface="Calibri" panose="020F0502020204030204" pitchFamily="34" charset="0"/>
+            </a:endParaRPr>
+          </a:p>
+          <a:p>
+            <a:endParaRPr lang="en-US" sz="2400" dirty="0">
+              <a:latin typeface="Calibri" panose="020F0502020204030204" pitchFamily="34" charset="0"/>
+              <a:cs typeface="Calibri" panose="020F0502020204030204" pitchFamily="34" charset="0"/>
+            </a:endParaRPr>
           </a:p>
         </p:txBody>
       </p:sp>
@@ -13440,18 +13827,18 @@
               <a:t>In each level, there are 4-5 different enemies including Boss enemy. Each enemy has a different </a:t>
             </a:r>
             <a:r>
-              <a:rPr lang="en-US" sz="1600" dirty="0" err="1">
+              <a:rPr lang="en-US" sz="1600" dirty="0" smtClean="0">
                 <a:latin typeface="Calibri" panose="020F0502020204030204" pitchFamily="34" charset="0"/>
                 <a:cs typeface="Calibri" panose="020F0502020204030204" pitchFamily="34" charset="0"/>
               </a:rPr>
-              <a:t>behaviour</a:t>
+              <a:t>behavior </a:t>
             </a:r>
             <a:r>
               <a:rPr lang="en-US" sz="1600" dirty="0">
                 <a:latin typeface="Calibri" panose="020F0502020204030204" pitchFamily="34" charset="0"/>
                 <a:cs typeface="Calibri" panose="020F0502020204030204" pitchFamily="34" charset="0"/>
               </a:rPr>
-              <a:t> and will try to kill the main characters. The Player scores points by killing enemies, the number of points earned depends on the enemy type. The player health will be reduced from enemy attack and die when health point is zero.</a:t>
+              <a:t>and will try to kill the main characters. The Player scores points by killing enemies, the number of points earned depends on the enemy type. The player health will be reduced from enemy attack and die when health point is zero.</a:t>
             </a:r>
           </a:p>
           <a:p>
@@ -13485,6 +13872,13 @@
             <a:pPr marL="114300" indent="0">
               <a:buNone/>
             </a:pPr>
+            <a:r>
+              <a:rPr lang="en-US" sz="1600" dirty="0">
+                <a:latin typeface="Calibri" panose="020F0502020204030204" pitchFamily="34" charset="0"/>
+                <a:cs typeface="Calibri" panose="020F0502020204030204" pitchFamily="34" charset="0"/>
+              </a:rPr>
+              <a:t/>
+            </a:r>
             <a:br>
               <a:rPr lang="en-US" sz="1600" dirty="0">
                 <a:latin typeface="Calibri" panose="020F0502020204030204" pitchFamily="34" charset="0"/>
